--- a/История образование/Томас Мор.pptx
+++ b/История образование/Томас Мор.pptx
@@ -13,6 +13,7 @@
     <p:sldId id="261" r:id="rId7"/>
     <p:sldId id="262" r:id="rId8"/>
     <p:sldId id="263" r:id="rId9"/>
+    <p:sldId id="264" r:id="rId10"/>
   </p:sldIdLst>
   <p:sldSz cx="12192000" cy="6858000"/>
   <p:notesSz cx="6858000" cy="9144000"/>
@@ -266,7 +267,7 @@
           <a:p>
             <a:fld id="{83F6416F-074C-40F1-9A35-5D85E5A46423}" type="datetimeFigureOut">
               <a:rPr lang="ru-RU" smtClean="0"/>
-              <a:t>18.10.2023</a:t>
+              <a:t>13.11.2023</a:t>
             </a:fld>
             <a:endParaRPr lang="ru-RU"/>
           </a:p>
@@ -464,7 +465,7 @@
           <a:p>
             <a:fld id="{83F6416F-074C-40F1-9A35-5D85E5A46423}" type="datetimeFigureOut">
               <a:rPr lang="ru-RU" smtClean="0"/>
-              <a:t>18.10.2023</a:t>
+              <a:t>13.11.2023</a:t>
             </a:fld>
             <a:endParaRPr lang="ru-RU"/>
           </a:p>
@@ -672,7 +673,7 @@
           <a:p>
             <a:fld id="{83F6416F-074C-40F1-9A35-5D85E5A46423}" type="datetimeFigureOut">
               <a:rPr lang="ru-RU" smtClean="0"/>
-              <a:t>18.10.2023</a:t>
+              <a:t>13.11.2023</a:t>
             </a:fld>
             <a:endParaRPr lang="ru-RU"/>
           </a:p>
@@ -870,7 +871,7 @@
           <a:p>
             <a:fld id="{83F6416F-074C-40F1-9A35-5D85E5A46423}" type="datetimeFigureOut">
               <a:rPr lang="ru-RU" smtClean="0"/>
-              <a:t>18.10.2023</a:t>
+              <a:t>13.11.2023</a:t>
             </a:fld>
             <a:endParaRPr lang="ru-RU"/>
           </a:p>
@@ -1145,7 +1146,7 @@
           <a:p>
             <a:fld id="{83F6416F-074C-40F1-9A35-5D85E5A46423}" type="datetimeFigureOut">
               <a:rPr lang="ru-RU" smtClean="0"/>
-              <a:t>18.10.2023</a:t>
+              <a:t>13.11.2023</a:t>
             </a:fld>
             <a:endParaRPr lang="ru-RU"/>
           </a:p>
@@ -1410,7 +1411,7 @@
           <a:p>
             <a:fld id="{83F6416F-074C-40F1-9A35-5D85E5A46423}" type="datetimeFigureOut">
               <a:rPr lang="ru-RU" smtClean="0"/>
-              <a:t>18.10.2023</a:t>
+              <a:t>13.11.2023</a:t>
             </a:fld>
             <a:endParaRPr lang="ru-RU"/>
           </a:p>
@@ -1822,7 +1823,7 @@
           <a:p>
             <a:fld id="{83F6416F-074C-40F1-9A35-5D85E5A46423}" type="datetimeFigureOut">
               <a:rPr lang="ru-RU" smtClean="0"/>
-              <a:t>18.10.2023</a:t>
+              <a:t>13.11.2023</a:t>
             </a:fld>
             <a:endParaRPr lang="ru-RU"/>
           </a:p>
@@ -1963,7 +1964,7 @@
           <a:p>
             <a:fld id="{83F6416F-074C-40F1-9A35-5D85E5A46423}" type="datetimeFigureOut">
               <a:rPr lang="ru-RU" smtClean="0"/>
-              <a:t>18.10.2023</a:t>
+              <a:t>13.11.2023</a:t>
             </a:fld>
             <a:endParaRPr lang="ru-RU"/>
           </a:p>
@@ -2076,7 +2077,7 @@
           <a:p>
             <a:fld id="{83F6416F-074C-40F1-9A35-5D85E5A46423}" type="datetimeFigureOut">
               <a:rPr lang="ru-RU" smtClean="0"/>
-              <a:t>18.10.2023</a:t>
+              <a:t>13.11.2023</a:t>
             </a:fld>
             <a:endParaRPr lang="ru-RU"/>
           </a:p>
@@ -2387,7 +2388,7 @@
           <a:p>
             <a:fld id="{83F6416F-074C-40F1-9A35-5D85E5A46423}" type="datetimeFigureOut">
               <a:rPr lang="ru-RU" smtClean="0"/>
-              <a:t>18.10.2023</a:t>
+              <a:t>13.11.2023</a:t>
             </a:fld>
             <a:endParaRPr lang="ru-RU"/>
           </a:p>
@@ -2675,7 +2676,7 @@
           <a:p>
             <a:fld id="{83F6416F-074C-40F1-9A35-5D85E5A46423}" type="datetimeFigureOut">
               <a:rPr lang="ru-RU" smtClean="0"/>
-              <a:t>18.10.2023</a:t>
+              <a:t>13.11.2023</a:t>
             </a:fld>
             <a:endParaRPr lang="ru-RU"/>
           </a:p>
@@ -2916,7 +2917,7 @@
           <a:p>
             <a:fld id="{83F6416F-074C-40F1-9A35-5D85E5A46423}" type="datetimeFigureOut">
               <a:rPr lang="ru-RU" smtClean="0"/>
-              <a:t>18.10.2023</a:t>
+              <a:t>13.11.2023</a:t>
             </a:fld>
             <a:endParaRPr lang="ru-RU"/>
           </a:p>
@@ -4159,6 +4160,73 @@
 </p:sld>
 </file>
 
+<file path=ppt/slides/slide9.xml><?xml version="1.0" encoding="utf-8"?>
+<p:sld xmlns:a="http://schemas.openxmlformats.org/drawingml/2006/main" xmlns:r="http://schemas.openxmlformats.org/officeDocument/2006/relationships" xmlns:p="http://schemas.openxmlformats.org/presentationml/2006/main">
+  <p:cSld>
+    <p:spTree>
+      <p:nvGrpSpPr>
+        <p:cNvPr id="1" name=""/>
+        <p:cNvGrpSpPr/>
+        <p:nvPr/>
+      </p:nvGrpSpPr>
+      <p:grpSpPr>
+        <a:xfrm>
+          <a:off x="0" y="0"/>
+          <a:ext cx="0" cy="0"/>
+          <a:chOff x="0" y="0"/>
+          <a:chExt cx="0" cy="0"/>
+        </a:xfrm>
+      </p:grpSpPr>
+      <p:sp>
+        <p:nvSpPr>
+          <p:cNvPr id="3" name="TextBox 2">
+            <a:extLst>
+              <a:ext uri="{FF2B5EF4-FFF2-40B4-BE49-F238E27FC236}">
+                <a16:creationId xmlns:a16="http://schemas.microsoft.com/office/drawing/2014/main" id="{932D46FE-E5C7-4951-B691-276A93D04052}"/>
+              </a:ext>
+            </a:extLst>
+          </p:cNvPr>
+          <p:cNvSpPr txBox="1"/>
+          <p:nvPr/>
+        </p:nvSpPr>
+        <p:spPr>
+          <a:xfrm>
+            <a:off x="4935793" y="3244334"/>
+            <a:ext cx="6096000" cy="400110"/>
+          </a:xfrm>
+          <a:prstGeom prst="rect">
+            <a:avLst/>
+          </a:prstGeom>
+          <a:noFill/>
+        </p:spPr>
+        <p:txBody>
+          <a:bodyPr wrap="square">
+            <a:spAutoFit/>
+          </a:bodyPr>
+          <a:lstStyle/>
+          <a:p>
+            <a:r>
+              <a:rPr lang="ru-RU" sz="2000" dirty="0">
+                <a:latin typeface="Bahnschrift Light SemiCondensed" panose="020B0502040204020203" pitchFamily="34" charset="0"/>
+              </a:rPr>
+              <a:t>Спасибо за внимание!</a:t>
+            </a:r>
+          </a:p>
+        </p:txBody>
+      </p:sp>
+    </p:spTree>
+    <p:extLst>
+      <p:ext uri="{BB962C8B-B14F-4D97-AF65-F5344CB8AC3E}">
+        <p14:creationId xmlns:p14="http://schemas.microsoft.com/office/powerpoint/2010/main" val="1244195758"/>
+      </p:ext>
+    </p:extLst>
+  </p:cSld>
+  <p:clrMapOvr>
+    <a:masterClrMapping/>
+  </p:clrMapOvr>
+</p:sld>
+</file>
+
 <file path=ppt/theme/theme1.xml><?xml version="1.0" encoding="utf-8"?>
 <a:theme xmlns:a="http://schemas.openxmlformats.org/drawingml/2006/main" name="Тема Office">
   <a:themeElements>
